--- a/Capstone Project Phase A-24-2-R-12 [Autosaved].pptx
+++ b/Capstone Project Phase A-24-2-R-12 [Autosaved].pptx
@@ -11243,7 +11243,7 @@
         </p:nvSpPr>
         <p:spPr>
           <a:xfrm>
-            <a:off x="2479440" y="1126480"/>
+            <a:off x="2479440" y="1949440"/>
             <a:ext cx="4185120" cy="922800"/>
           </a:xfrm>
           <a:prstGeom prst="rect">
@@ -11268,85 +11268,6 @@
             <a:r>
               <a:rPr lang="en" dirty="0"/>
               <a:t>Thank You!</a:t>
-            </a:r>
-            <a:endParaRPr dirty="0"/>
-          </a:p>
-        </p:txBody>
-      </p:sp>
-      <p:sp>
-        <p:nvSpPr>
-          <p:cNvPr id="3" name="Google Shape;1569;p123">
-            <a:extLst>
-              <a:ext uri="{FF2B5EF4-FFF2-40B4-BE49-F238E27FC236}">
-                <a16:creationId xmlns:a16="http://schemas.microsoft.com/office/drawing/2014/main" id="{75C06171-705D-82ED-BA7B-3F68213771AD}"/>
-              </a:ext>
-            </a:extLst>
-          </p:cNvPr>
-          <p:cNvSpPr txBox="1">
-            <a:spLocks noGrp="1"/>
-          </p:cNvSpPr>
-          <p:nvPr>
-            <p:ph type="subTitle" idx="1"/>
-          </p:nvPr>
-        </p:nvSpPr>
-        <p:spPr>
-          <a:xfrm>
-            <a:off x="2832900" y="2961005"/>
-            <a:ext cx="3478200" cy="922800"/>
-          </a:xfrm>
-          <a:prstGeom prst="rect">
-            <a:avLst/>
-          </a:prstGeom>
-        </p:spPr>
-        <p:txBody>
-          <a:bodyPr spcFirstLastPara="1" wrap="square" lIns="91425" tIns="91425" rIns="91425" bIns="91425" anchor="t" anchorCtr="0">
-            <a:noAutofit/>
-          </a:bodyPr>
-          <a:lstStyle/>
-          <a:p>
-            <a:pPr marL="0" lvl="0" indent="0" algn="ctr" rtl="0">
-              <a:spcBef>
-                <a:spcPts val="0"/>
-              </a:spcBef>
-              <a:spcAft>
-                <a:spcPts val="0"/>
-              </a:spcAft>
-              <a:buNone/>
-            </a:pPr>
-            <a:r>
-              <a:rPr lang="en" dirty="0"/>
-              <a:t>Do you have any questions?</a:t>
-            </a:r>
-          </a:p>
-          <a:p>
-            <a:pPr marL="0" lvl="0" indent="0" algn="ctr" rtl="0">
-              <a:spcBef>
-                <a:spcPts val="0"/>
-              </a:spcBef>
-              <a:spcAft>
-                <a:spcPts val="0"/>
-              </a:spcAft>
-              <a:buNone/>
-            </a:pPr>
-            <a:r>
-              <a:rPr lang="en" dirty="0"/>
-              <a:t>msalm46@gmail.com</a:t>
-            </a:r>
-            <a:endParaRPr dirty="0"/>
-          </a:p>
-          <a:p>
-            <a:pPr marL="0" lvl="0" indent="0" algn="ctr" rtl="0">
-              <a:spcBef>
-                <a:spcPts val="0"/>
-              </a:spcBef>
-              <a:spcAft>
-                <a:spcPts val="0"/>
-              </a:spcAft>
-              <a:buNone/>
-            </a:pPr>
-            <a:r>
-              <a:rPr lang="en-US" dirty="0"/>
-              <a:t>abosalehmohamed800@gmai.com</a:t>
             </a:r>
             <a:endParaRPr dirty="0"/>
           </a:p>
